--- a/pics/2021-05-27-second_order_ODE/pics.pptx
+++ b/pics/2021-05-27-second_order_ODE/pics.pptx
@@ -3097,7 +3097,7 @@
       </p:grpSpPr>
       <p:pic>
         <p:nvPicPr>
-          <p:cNvPr id="1026" name="Picture 2"/>
+          <p:cNvPr id="2" name="Picture 2"/>
           <p:cNvPicPr>
             <a:picLocks noChangeAspect="1" noChangeArrowheads="1"/>
           </p:cNvPicPr>
